--- a/父母恩.pptx
+++ b/父母恩.pptx
@@ -293,7 +293,8 @@
           <a:p>
             <a:fld id="{051379B3-9E89-44DB-B210-A30CE17EE52C}" type="datetimeFigureOut">
               <a:rPr lang="en-US" smtClean="0"/>
-              <a:t>6/14/2019</a:t>
+              <a:pPr/>
+              <a:t>6/16/2019</a:t>
             </a:fld>
             <a:endParaRPr lang="en-US"/>
           </a:p>
@@ -335,6 +336,7 @@
           <a:p>
             <a:fld id="{3B44425B-ECAB-4415-8096-D2A30A8656EA}" type="slidenum">
               <a:rPr lang="en-US" smtClean="0"/>
+              <a:pPr/>
               <a:t>‹#›</a:t>
             </a:fld>
             <a:endParaRPr lang="en-US"/>
@@ -458,7 +460,8 @@
           <a:p>
             <a:fld id="{051379B3-9E89-44DB-B210-A30CE17EE52C}" type="datetimeFigureOut">
               <a:rPr lang="en-US" smtClean="0"/>
-              <a:t>6/14/2019</a:t>
+              <a:pPr/>
+              <a:t>6/16/2019</a:t>
             </a:fld>
             <a:endParaRPr lang="en-US"/>
           </a:p>
@@ -500,6 +503,7 @@
           <a:p>
             <a:fld id="{3B44425B-ECAB-4415-8096-D2A30A8656EA}" type="slidenum">
               <a:rPr lang="en-US" smtClean="0"/>
+              <a:pPr/>
               <a:t>‹#›</a:t>
             </a:fld>
             <a:endParaRPr lang="en-US"/>
@@ -633,7 +637,8 @@
           <a:p>
             <a:fld id="{051379B3-9E89-44DB-B210-A30CE17EE52C}" type="datetimeFigureOut">
               <a:rPr lang="en-US" smtClean="0"/>
-              <a:t>6/14/2019</a:t>
+              <a:pPr/>
+              <a:t>6/16/2019</a:t>
             </a:fld>
             <a:endParaRPr lang="en-US"/>
           </a:p>
@@ -675,6 +680,7 @@
           <a:p>
             <a:fld id="{3B44425B-ECAB-4415-8096-D2A30A8656EA}" type="slidenum">
               <a:rPr lang="en-US" smtClean="0"/>
+              <a:pPr/>
               <a:t>‹#›</a:t>
             </a:fld>
             <a:endParaRPr lang="en-US"/>
@@ -798,7 +804,8 @@
           <a:p>
             <a:fld id="{051379B3-9E89-44DB-B210-A30CE17EE52C}" type="datetimeFigureOut">
               <a:rPr lang="en-US" smtClean="0"/>
-              <a:t>6/14/2019</a:t>
+              <a:pPr/>
+              <a:t>6/16/2019</a:t>
             </a:fld>
             <a:endParaRPr lang="en-US"/>
           </a:p>
@@ -840,6 +847,7 @@
           <a:p>
             <a:fld id="{3B44425B-ECAB-4415-8096-D2A30A8656EA}" type="slidenum">
               <a:rPr lang="en-US" smtClean="0"/>
+              <a:pPr/>
               <a:t>‹#›</a:t>
             </a:fld>
             <a:endParaRPr lang="en-US"/>
@@ -1039,7 +1047,8 @@
           <a:p>
             <a:fld id="{051379B3-9E89-44DB-B210-A30CE17EE52C}" type="datetimeFigureOut">
               <a:rPr lang="en-US" smtClean="0"/>
-              <a:t>6/14/2019</a:t>
+              <a:pPr/>
+              <a:t>6/16/2019</a:t>
             </a:fld>
             <a:endParaRPr lang="en-US"/>
           </a:p>
@@ -1081,6 +1090,7 @@
           <a:p>
             <a:fld id="{3B44425B-ECAB-4415-8096-D2A30A8656EA}" type="slidenum">
               <a:rPr lang="en-US" smtClean="0"/>
+              <a:pPr/>
               <a:t>‹#›</a:t>
             </a:fld>
             <a:endParaRPr lang="en-US"/>
@@ -1322,7 +1332,8 @@
           <a:p>
             <a:fld id="{051379B3-9E89-44DB-B210-A30CE17EE52C}" type="datetimeFigureOut">
               <a:rPr lang="en-US" smtClean="0"/>
-              <a:t>6/14/2019</a:t>
+              <a:pPr/>
+              <a:t>6/16/2019</a:t>
             </a:fld>
             <a:endParaRPr lang="en-US"/>
           </a:p>
@@ -1364,6 +1375,7 @@
           <a:p>
             <a:fld id="{3B44425B-ECAB-4415-8096-D2A30A8656EA}" type="slidenum">
               <a:rPr lang="en-US" smtClean="0"/>
+              <a:pPr/>
               <a:t>‹#›</a:t>
             </a:fld>
             <a:endParaRPr lang="en-US"/>
@@ -1739,7 +1751,8 @@
           <a:p>
             <a:fld id="{051379B3-9E89-44DB-B210-A30CE17EE52C}" type="datetimeFigureOut">
               <a:rPr lang="en-US" smtClean="0"/>
-              <a:t>6/14/2019</a:t>
+              <a:pPr/>
+              <a:t>6/16/2019</a:t>
             </a:fld>
             <a:endParaRPr lang="en-US"/>
           </a:p>
@@ -1781,6 +1794,7 @@
           <a:p>
             <a:fld id="{3B44425B-ECAB-4415-8096-D2A30A8656EA}" type="slidenum">
               <a:rPr lang="en-US" smtClean="0"/>
+              <a:pPr/>
               <a:t>‹#›</a:t>
             </a:fld>
             <a:endParaRPr lang="en-US"/>
@@ -1852,7 +1866,8 @@
           <a:p>
             <a:fld id="{051379B3-9E89-44DB-B210-A30CE17EE52C}" type="datetimeFigureOut">
               <a:rPr lang="en-US" smtClean="0"/>
-              <a:t>6/14/2019</a:t>
+              <a:pPr/>
+              <a:t>6/16/2019</a:t>
             </a:fld>
             <a:endParaRPr lang="en-US"/>
           </a:p>
@@ -1894,6 +1909,7 @@
           <a:p>
             <a:fld id="{3B44425B-ECAB-4415-8096-D2A30A8656EA}" type="slidenum">
               <a:rPr lang="en-US" smtClean="0"/>
+              <a:pPr/>
               <a:t>‹#›</a:t>
             </a:fld>
             <a:endParaRPr lang="en-US"/>
@@ -1942,7 +1958,8 @@
           <a:p>
             <a:fld id="{051379B3-9E89-44DB-B210-A30CE17EE52C}" type="datetimeFigureOut">
               <a:rPr lang="en-US" smtClean="0"/>
-              <a:t>6/14/2019</a:t>
+              <a:pPr/>
+              <a:t>6/16/2019</a:t>
             </a:fld>
             <a:endParaRPr lang="en-US"/>
           </a:p>
@@ -1984,6 +2001,7 @@
           <a:p>
             <a:fld id="{3B44425B-ECAB-4415-8096-D2A30A8656EA}" type="slidenum">
               <a:rPr lang="en-US" smtClean="0"/>
+              <a:pPr/>
               <a:t>‹#›</a:t>
             </a:fld>
             <a:endParaRPr lang="en-US"/>
@@ -2214,7 +2232,8 @@
           <a:p>
             <a:fld id="{051379B3-9E89-44DB-B210-A30CE17EE52C}" type="datetimeFigureOut">
               <a:rPr lang="en-US" smtClean="0"/>
-              <a:t>6/14/2019</a:t>
+              <a:pPr/>
+              <a:t>6/16/2019</a:t>
             </a:fld>
             <a:endParaRPr lang="en-US"/>
           </a:p>
@@ -2256,6 +2275,7 @@
           <a:p>
             <a:fld id="{3B44425B-ECAB-4415-8096-D2A30A8656EA}" type="slidenum">
               <a:rPr lang="en-US" smtClean="0"/>
+              <a:pPr/>
               <a:t>‹#›</a:t>
             </a:fld>
             <a:endParaRPr lang="en-US"/>
@@ -2466,7 +2486,8 @@
           <a:p>
             <a:fld id="{051379B3-9E89-44DB-B210-A30CE17EE52C}" type="datetimeFigureOut">
               <a:rPr lang="en-US" smtClean="0"/>
-              <a:t>6/14/2019</a:t>
+              <a:pPr/>
+              <a:t>6/16/2019</a:t>
             </a:fld>
             <a:endParaRPr lang="en-US"/>
           </a:p>
@@ -2508,6 +2529,7 @@
           <a:p>
             <a:fld id="{3B44425B-ECAB-4415-8096-D2A30A8656EA}" type="slidenum">
               <a:rPr lang="en-US" smtClean="0"/>
+              <a:pPr/>
               <a:t>‹#›</a:t>
             </a:fld>
             <a:endParaRPr lang="en-US"/>
@@ -2679,7 +2701,8 @@
           <a:p>
             <a:fld id="{051379B3-9E89-44DB-B210-A30CE17EE52C}" type="datetimeFigureOut">
               <a:rPr lang="en-US" smtClean="0"/>
-              <a:t>6/14/2019</a:t>
+              <a:pPr/>
+              <a:t>6/16/2019</a:t>
             </a:fld>
             <a:endParaRPr lang="en-US"/>
           </a:p>
@@ -2757,6 +2780,7 @@
           <a:p>
             <a:fld id="{3B44425B-ECAB-4415-8096-D2A30A8656EA}" type="slidenum">
               <a:rPr lang="en-US" smtClean="0"/>
+              <a:pPr/>
               <a:t>‹#›</a:t>
             </a:fld>
             <a:endParaRPr lang="en-US"/>
@@ -3253,13 +3277,20 @@
     </p:spTree>
     <p:extLst>
       <p:ext uri="{BB962C8B-B14F-4D97-AF65-F5344CB8AC3E}">
-        <p14:creationId xmlns:p14="http://schemas.microsoft.com/office/powerpoint/2010/main" val="3067946155"/>
+        <p14:creationId xmlns:p14="http://schemas.microsoft.com/office/powerpoint/2010/main" xmlns="" val="3067946155"/>
       </p:ext>
     </p:extLst>
   </p:cSld>
   <p:clrMapOvr>
     <a:masterClrMapping/>
   </p:clrMapOvr>
+  <p:timing>
+    <p:tnLst>
+      <p:par>
+        <p:cTn id="1" dur="indefinite" restart="never" nodeType="tmRoot"/>
+      </p:par>
+    </p:tnLst>
+  </p:timing>
 </p:sld>
 </file>
 
@@ -3415,13 +3446,20 @@
     </p:spTree>
     <p:extLst>
       <p:ext uri="{BB962C8B-B14F-4D97-AF65-F5344CB8AC3E}">
-        <p14:creationId xmlns:p14="http://schemas.microsoft.com/office/powerpoint/2010/main" val="1497730814"/>
+        <p14:creationId xmlns:p14="http://schemas.microsoft.com/office/powerpoint/2010/main" xmlns="" val="1497730814"/>
       </p:ext>
     </p:extLst>
   </p:cSld>
   <p:clrMapOvr>
     <a:masterClrMapping/>
   </p:clrMapOvr>
+  <p:timing>
+    <p:tnLst>
+      <p:par>
+        <p:cTn id="1" dur="indefinite" restart="never" nodeType="tmRoot"/>
+      </p:par>
+    </p:tnLst>
+  </p:timing>
 </p:sld>
 </file>
 
@@ -3641,13 +3679,20 @@
     </p:spTree>
     <p:extLst>
       <p:ext uri="{BB962C8B-B14F-4D97-AF65-F5344CB8AC3E}">
-        <p14:creationId xmlns:p14="http://schemas.microsoft.com/office/powerpoint/2010/main" val="443345725"/>
+        <p14:creationId xmlns:p14="http://schemas.microsoft.com/office/powerpoint/2010/main" xmlns="" val="443345725"/>
       </p:ext>
     </p:extLst>
   </p:cSld>
   <p:clrMapOvr>
     <a:masterClrMapping/>
   </p:clrMapOvr>
+  <p:timing>
+    <p:tnLst>
+      <p:par>
+        <p:cTn id="1" dur="indefinite" restart="never" nodeType="tmRoot"/>
+      </p:par>
+    </p:tnLst>
+  </p:timing>
 </p:sld>
 </file>
 
@@ -3810,13 +3855,20 @@
     </p:spTree>
     <p:extLst>
       <p:ext uri="{BB962C8B-B14F-4D97-AF65-F5344CB8AC3E}">
-        <p14:creationId xmlns:p14="http://schemas.microsoft.com/office/powerpoint/2010/main" val="2133040294"/>
+        <p14:creationId xmlns:p14="http://schemas.microsoft.com/office/powerpoint/2010/main" xmlns="" val="2133040294"/>
       </p:ext>
     </p:extLst>
   </p:cSld>
   <p:clrMapOvr>
     <a:masterClrMapping/>
   </p:clrMapOvr>
+  <p:timing>
+    <p:tnLst>
+      <p:par>
+        <p:cTn id="1" dur="indefinite" restart="never" nodeType="tmRoot"/>
+      </p:par>
+    </p:tnLst>
+  </p:timing>
 </p:sld>
 </file>
 
@@ -4039,13 +4091,20 @@
     </p:spTree>
     <p:extLst>
       <p:ext uri="{BB962C8B-B14F-4D97-AF65-F5344CB8AC3E}">
-        <p14:creationId xmlns:p14="http://schemas.microsoft.com/office/powerpoint/2010/main" val="3284917140"/>
+        <p14:creationId xmlns:p14="http://schemas.microsoft.com/office/powerpoint/2010/main" xmlns="" val="3284917140"/>
       </p:ext>
     </p:extLst>
   </p:cSld>
   <p:clrMapOvr>
     <a:masterClrMapping/>
   </p:clrMapOvr>
+  <p:timing>
+    <p:tnLst>
+      <p:par>
+        <p:cTn id="1" dur="indefinite" restart="never" nodeType="tmRoot"/>
+      </p:par>
+    </p:tnLst>
+  </p:timing>
 </p:sld>
 </file>
 
@@ -4194,13 +4253,20 @@
     </p:spTree>
     <p:extLst>
       <p:ext uri="{BB962C8B-B14F-4D97-AF65-F5344CB8AC3E}">
-        <p14:creationId xmlns:p14="http://schemas.microsoft.com/office/powerpoint/2010/main" val="818865498"/>
+        <p14:creationId xmlns:p14="http://schemas.microsoft.com/office/powerpoint/2010/main" xmlns="" val="818865498"/>
       </p:ext>
     </p:extLst>
   </p:cSld>
   <p:clrMapOvr>
     <a:masterClrMapping/>
   </p:clrMapOvr>
+  <p:timing>
+    <p:tnLst>
+      <p:par>
+        <p:cTn id="1" dur="indefinite" restart="never" nodeType="tmRoot"/>
+      </p:par>
+    </p:tnLst>
+  </p:timing>
 </p:sld>
 </file>
 

--- a/父母恩.pptx
+++ b/父母恩.pptx
@@ -12,7 +12,7 @@
     <p:sldId id="261" r:id="rId6"/>
     <p:sldId id="262" r:id="rId7"/>
   </p:sldIdLst>
-  <p:sldSz cx="9144000" cy="6858000" type="screen4x3"/>
+  <p:sldSz cx="12192000" cy="6858000"/>
   <p:notesSz cx="6858000" cy="9144000"/>
   <p:defaultTextStyle>
     <a:defPPr>
@@ -109,6 +109,22 @@
       </a:defRPr>
     </a:lvl9pPr>
   </p:defaultTextStyle>
+  <p:extLst>
+    <p:ext uri="{EFAFB233-063F-42B5-8137-9DF3F51BA10A}">
+      <p15:sldGuideLst xmlns:p15="http://schemas.microsoft.com/office/powerpoint/2012/main">
+        <p15:guide id="1" orient="horz" pos="2160" userDrawn="1">
+          <p15:clr>
+            <a:srgbClr val="A4A3A4"/>
+          </p15:clr>
+        </p15:guide>
+        <p15:guide id="2" pos="3840" userDrawn="1">
+          <p15:clr>
+            <a:srgbClr val="A4A3A4"/>
+          </p15:clr>
+        </p15:guide>
+      </p15:sldGuideLst>
+    </p:ext>
+  </p:extLst>
 </p:presentation>
 </file>
 
@@ -141,8 +157,8 @@
         </p:nvSpPr>
         <p:spPr>
           <a:xfrm>
-            <a:off x="685800" y="2130425"/>
-            <a:ext cx="7772400" cy="1470025"/>
+            <a:off x="914400" y="2130426"/>
+            <a:ext cx="10363200" cy="1470025"/>
           </a:xfrm>
         </p:spPr>
         <p:txBody>
@@ -169,8 +185,8 @@
         </p:nvSpPr>
         <p:spPr>
           <a:xfrm>
-            <a:off x="1371600" y="3886200"/>
-            <a:ext cx="6400800" cy="1752600"/>
+            <a:off x="1828800" y="3886200"/>
+            <a:ext cx="8534400" cy="1752600"/>
           </a:xfrm>
         </p:spPr>
         <p:txBody>
@@ -294,7 +310,7 @@
             <a:fld id="{051379B3-9E89-44DB-B210-A30CE17EE52C}" type="datetimeFigureOut">
               <a:rPr lang="en-US" smtClean="0"/>
               <a:pPr/>
-              <a:t>6/16/2019</a:t>
+              <a:t>6/17/2020</a:t>
             </a:fld>
             <a:endParaRPr lang="en-US"/>
           </a:p>
@@ -461,7 +477,7 @@
             <a:fld id="{051379B3-9E89-44DB-B210-A30CE17EE52C}" type="datetimeFigureOut">
               <a:rPr lang="en-US" smtClean="0"/>
               <a:pPr/>
-              <a:t>6/16/2019</a:t>
+              <a:t>6/17/2020</a:t>
             </a:fld>
             <a:endParaRPr lang="en-US"/>
           </a:p>
@@ -547,8 +563,8 @@
         </p:nvSpPr>
         <p:spPr>
           <a:xfrm>
-            <a:off x="6629400" y="274638"/>
-            <a:ext cx="2057400" cy="5851525"/>
+            <a:off x="8839200" y="274639"/>
+            <a:ext cx="2743200" cy="5851525"/>
           </a:xfrm>
         </p:spPr>
         <p:txBody>
@@ -575,8 +591,8 @@
         </p:nvSpPr>
         <p:spPr>
           <a:xfrm>
-            <a:off x="457200" y="274638"/>
-            <a:ext cx="6019800" cy="5851525"/>
+            <a:off x="609600" y="274639"/>
+            <a:ext cx="8026400" cy="5851525"/>
           </a:xfrm>
         </p:spPr>
         <p:txBody>
@@ -638,7 +654,7 @@
             <a:fld id="{051379B3-9E89-44DB-B210-A30CE17EE52C}" type="datetimeFigureOut">
               <a:rPr lang="en-US" smtClean="0"/>
               <a:pPr/>
-              <a:t>6/16/2019</a:t>
+              <a:t>6/17/2020</a:t>
             </a:fld>
             <a:endParaRPr lang="en-US"/>
           </a:p>
@@ -805,7 +821,7 @@
             <a:fld id="{051379B3-9E89-44DB-B210-A30CE17EE52C}" type="datetimeFigureOut">
               <a:rPr lang="en-US" smtClean="0"/>
               <a:pPr/>
-              <a:t>6/16/2019</a:t>
+              <a:t>6/17/2020</a:t>
             </a:fld>
             <a:endParaRPr lang="en-US"/>
           </a:p>
@@ -891,8 +907,8 @@
         </p:nvSpPr>
         <p:spPr>
           <a:xfrm>
-            <a:off x="722313" y="4406900"/>
-            <a:ext cx="7772400" cy="1362075"/>
+            <a:off x="963084" y="4406901"/>
+            <a:ext cx="10363200" cy="1362075"/>
           </a:xfrm>
         </p:spPr>
         <p:txBody>
@@ -923,8 +939,8 @@
         </p:nvSpPr>
         <p:spPr>
           <a:xfrm>
-            <a:off x="722313" y="2906713"/>
-            <a:ext cx="7772400" cy="1500187"/>
+            <a:off x="963084" y="2906713"/>
+            <a:ext cx="10363200" cy="1500187"/>
           </a:xfrm>
         </p:spPr>
         <p:txBody>
@@ -1048,7 +1064,7 @@
             <a:fld id="{051379B3-9E89-44DB-B210-A30CE17EE52C}" type="datetimeFigureOut">
               <a:rPr lang="en-US" smtClean="0"/>
               <a:pPr/>
-              <a:t>6/16/2019</a:t>
+              <a:t>6/17/2020</a:t>
             </a:fld>
             <a:endParaRPr lang="en-US"/>
           </a:p>
@@ -1157,8 +1173,8 @@
         </p:nvSpPr>
         <p:spPr>
           <a:xfrm>
-            <a:off x="457200" y="1600200"/>
-            <a:ext cx="4038600" cy="4525963"/>
+            <a:off x="609600" y="1600201"/>
+            <a:ext cx="5384800" cy="4525963"/>
           </a:xfrm>
         </p:spPr>
         <p:txBody>
@@ -1242,8 +1258,8 @@
         </p:nvSpPr>
         <p:spPr>
           <a:xfrm>
-            <a:off x="4648200" y="1600200"/>
-            <a:ext cx="4038600" cy="4525963"/>
+            <a:off x="6197600" y="1600201"/>
+            <a:ext cx="5384800" cy="4525963"/>
           </a:xfrm>
         </p:spPr>
         <p:txBody>
@@ -1333,7 +1349,7 @@
             <a:fld id="{051379B3-9E89-44DB-B210-A30CE17EE52C}" type="datetimeFigureOut">
               <a:rPr lang="en-US" smtClean="0"/>
               <a:pPr/>
-              <a:t>6/16/2019</a:t>
+              <a:t>6/17/2020</a:t>
             </a:fld>
             <a:endParaRPr lang="en-US"/>
           </a:p>
@@ -1446,8 +1462,8 @@
         </p:nvSpPr>
         <p:spPr>
           <a:xfrm>
-            <a:off x="457200" y="1535113"/>
-            <a:ext cx="4040188" cy="639762"/>
+            <a:off x="609600" y="1535113"/>
+            <a:ext cx="5386917" cy="639762"/>
           </a:xfrm>
         </p:spPr>
         <p:txBody>
@@ -1511,8 +1527,8 @@
         </p:nvSpPr>
         <p:spPr>
           <a:xfrm>
-            <a:off x="457200" y="2174875"/>
-            <a:ext cx="4040188" cy="3951288"/>
+            <a:off x="609600" y="2174875"/>
+            <a:ext cx="5386917" cy="3951288"/>
           </a:xfrm>
         </p:spPr>
         <p:txBody>
@@ -1596,8 +1612,8 @@
         </p:nvSpPr>
         <p:spPr>
           <a:xfrm>
-            <a:off x="4645025" y="1535113"/>
-            <a:ext cx="4041775" cy="639762"/>
+            <a:off x="6193368" y="1535113"/>
+            <a:ext cx="5389033" cy="639762"/>
           </a:xfrm>
         </p:spPr>
         <p:txBody>
@@ -1661,8 +1677,8 @@
         </p:nvSpPr>
         <p:spPr>
           <a:xfrm>
-            <a:off x="4645025" y="2174875"/>
-            <a:ext cx="4041775" cy="3951288"/>
+            <a:off x="6193368" y="2174875"/>
+            <a:ext cx="5389033" cy="3951288"/>
           </a:xfrm>
         </p:spPr>
         <p:txBody>
@@ -1752,7 +1768,7 @@
             <a:fld id="{051379B3-9E89-44DB-B210-A30CE17EE52C}" type="datetimeFigureOut">
               <a:rPr lang="en-US" smtClean="0"/>
               <a:pPr/>
-              <a:t>6/16/2019</a:t>
+              <a:t>6/17/2020</a:t>
             </a:fld>
             <a:endParaRPr lang="en-US"/>
           </a:p>
@@ -1867,7 +1883,7 @@
             <a:fld id="{051379B3-9E89-44DB-B210-A30CE17EE52C}" type="datetimeFigureOut">
               <a:rPr lang="en-US" smtClean="0"/>
               <a:pPr/>
-              <a:t>6/16/2019</a:t>
+              <a:t>6/17/2020</a:t>
             </a:fld>
             <a:endParaRPr lang="en-US"/>
           </a:p>
@@ -1959,7 +1975,7 @@
             <a:fld id="{051379B3-9E89-44DB-B210-A30CE17EE52C}" type="datetimeFigureOut">
               <a:rPr lang="en-US" smtClean="0"/>
               <a:pPr/>
-              <a:t>6/16/2019</a:t>
+              <a:t>6/17/2020</a:t>
             </a:fld>
             <a:endParaRPr lang="en-US"/>
           </a:p>
@@ -2045,8 +2061,8 @@
         </p:nvSpPr>
         <p:spPr>
           <a:xfrm>
-            <a:off x="457200" y="273050"/>
-            <a:ext cx="3008313" cy="1162050"/>
+            <a:off x="609601" y="273050"/>
+            <a:ext cx="4011084" cy="1162050"/>
           </a:xfrm>
         </p:spPr>
         <p:txBody>
@@ -2077,8 +2093,8 @@
         </p:nvSpPr>
         <p:spPr>
           <a:xfrm>
-            <a:off x="3575050" y="273050"/>
-            <a:ext cx="5111750" cy="5853113"/>
+            <a:off x="4766733" y="273051"/>
+            <a:ext cx="6815667" cy="5853113"/>
           </a:xfrm>
         </p:spPr>
         <p:txBody>
@@ -2162,8 +2178,8 @@
         </p:nvSpPr>
         <p:spPr>
           <a:xfrm>
-            <a:off x="457200" y="1435100"/>
-            <a:ext cx="3008313" cy="4691063"/>
+            <a:off x="609601" y="1435101"/>
+            <a:ext cx="4011084" cy="4691063"/>
           </a:xfrm>
         </p:spPr>
         <p:txBody>
@@ -2233,7 +2249,7 @@
             <a:fld id="{051379B3-9E89-44DB-B210-A30CE17EE52C}" type="datetimeFigureOut">
               <a:rPr lang="en-US" smtClean="0"/>
               <a:pPr/>
-              <a:t>6/16/2019</a:t>
+              <a:t>6/17/2020</a:t>
             </a:fld>
             <a:endParaRPr lang="en-US"/>
           </a:p>
@@ -2319,8 +2335,8 @@
         </p:nvSpPr>
         <p:spPr>
           <a:xfrm>
-            <a:off x="1792288" y="4800600"/>
-            <a:ext cx="5486400" cy="566738"/>
+            <a:off x="2389717" y="4800600"/>
+            <a:ext cx="7315200" cy="566738"/>
           </a:xfrm>
         </p:spPr>
         <p:txBody>
@@ -2351,8 +2367,8 @@
         </p:nvSpPr>
         <p:spPr>
           <a:xfrm>
-            <a:off x="1792288" y="612775"/>
-            <a:ext cx="5486400" cy="4114800"/>
+            <a:off x="2389717" y="612775"/>
+            <a:ext cx="7315200" cy="4114800"/>
           </a:xfrm>
         </p:spPr>
         <p:txBody>
@@ -2416,8 +2432,8 @@
         </p:nvSpPr>
         <p:spPr>
           <a:xfrm>
-            <a:off x="1792288" y="5367338"/>
-            <a:ext cx="5486400" cy="804862"/>
+            <a:off x="2389717" y="5367338"/>
+            <a:ext cx="7315200" cy="804862"/>
           </a:xfrm>
         </p:spPr>
         <p:txBody>
@@ -2487,7 +2503,7 @@
             <a:fld id="{051379B3-9E89-44DB-B210-A30CE17EE52C}" type="datetimeFigureOut">
               <a:rPr lang="en-US" smtClean="0"/>
               <a:pPr/>
-              <a:t>6/16/2019</a:t>
+              <a:t>6/17/2020</a:t>
             </a:fld>
             <a:endParaRPr lang="en-US"/>
           </a:p>
@@ -2583,8 +2599,8 @@
         </p:nvSpPr>
         <p:spPr>
           <a:xfrm>
-            <a:off x="457200" y="274638"/>
-            <a:ext cx="8229600" cy="1143000"/>
+            <a:off x="609600" y="274638"/>
+            <a:ext cx="10972800" cy="1143000"/>
           </a:xfrm>
           <a:prstGeom prst="rect">
             <a:avLst/>
@@ -2616,8 +2632,8 @@
         </p:nvSpPr>
         <p:spPr>
           <a:xfrm>
-            <a:off x="457200" y="1600200"/>
-            <a:ext cx="8229600" cy="4525963"/>
+            <a:off x="609600" y="1600201"/>
+            <a:ext cx="10972800" cy="4525963"/>
           </a:xfrm>
           <a:prstGeom prst="rect">
             <a:avLst/>
@@ -2678,8 +2694,8 @@
         </p:nvSpPr>
         <p:spPr>
           <a:xfrm>
-            <a:off x="457200" y="6356350"/>
-            <a:ext cx="2133600" cy="365125"/>
+            <a:off x="609600" y="6356351"/>
+            <a:ext cx="2844800" cy="365125"/>
           </a:xfrm>
           <a:prstGeom prst="rect">
             <a:avLst/>
@@ -2702,7 +2718,7 @@
             <a:fld id="{051379B3-9E89-44DB-B210-A30CE17EE52C}" type="datetimeFigureOut">
               <a:rPr lang="en-US" smtClean="0"/>
               <a:pPr/>
-              <a:t>6/16/2019</a:t>
+              <a:t>6/17/2020</a:t>
             </a:fld>
             <a:endParaRPr lang="en-US"/>
           </a:p>
@@ -2720,8 +2736,8 @@
         </p:nvSpPr>
         <p:spPr>
           <a:xfrm>
-            <a:off x="3124200" y="6356350"/>
-            <a:ext cx="2895600" cy="365125"/>
+            <a:off x="4165600" y="6356351"/>
+            <a:ext cx="3860800" cy="365125"/>
           </a:xfrm>
           <a:prstGeom prst="rect">
             <a:avLst/>
@@ -2757,8 +2773,8 @@
         </p:nvSpPr>
         <p:spPr>
           <a:xfrm>
-            <a:off x="6553200" y="6356350"/>
-            <a:ext cx="2133600" cy="365125"/>
+            <a:off x="8737600" y="6356351"/>
+            <a:ext cx="2844800" cy="365125"/>
           </a:xfrm>
           <a:prstGeom prst="rect">
             <a:avLst/>
@@ -3114,7 +3130,7 @@
         </p:nvSpPr>
         <p:spPr>
           <a:xfrm>
-            <a:off x="0" y="1600200"/>
+            <a:off x="1524000" y="1600200"/>
             <a:ext cx="9144000" cy="5257800"/>
           </a:xfrm>
         </p:spPr>
@@ -3128,7 +3144,7 @@
               <a:buNone/>
             </a:pPr>
             <a:r>
-              <a:rPr lang="zh-CN" altLang="en-US" sz="5400" b="1" dirty="0" smtClean="0">
+              <a:rPr lang="zh-CN" altLang="en-US" sz="5400" b="1" dirty="0">
                 <a:latin typeface="Microsoft JhengHei" pitchFamily="34" charset="-120"/>
                 <a:ea typeface="Microsoft JhengHei" pitchFamily="34" charset="-120"/>
               </a:rPr>
@@ -3144,11 +3160,43 @@
               <a:buNone/>
             </a:pPr>
             <a:r>
+              <a:rPr lang="zh-CN" altLang="en-US" sz="5400" b="1" dirty="0">
+                <a:latin typeface="Microsoft JhengHei" pitchFamily="34" charset="-120"/>
+                <a:ea typeface="Microsoft JhengHei" pitchFamily="34" charset="-120"/>
+              </a:rPr>
+              <a:t>仿似夢裡慨樂園</a:t>
+            </a:r>
+            <a:endParaRPr lang="en-US" altLang="zh-CN" sz="5400" b="1" dirty="0">
+              <a:latin typeface="Microsoft JhengHei" pitchFamily="34" charset="-120"/>
+              <a:ea typeface="Microsoft JhengHei" pitchFamily="34" charset="-120"/>
+            </a:endParaRPr>
+          </a:p>
+          <a:p>
+            <a:pPr marL="0" indent="0" algn="ctr">
+              <a:buNone/>
+            </a:pPr>
+            <a:r>
+              <a:rPr lang="zh-CN" altLang="en-US" sz="5400" b="1" dirty="0">
+                <a:latin typeface="Microsoft JhengHei" pitchFamily="34" charset="-120"/>
+                <a:ea typeface="Microsoft JhengHei" pitchFamily="34" charset="-120"/>
+              </a:rPr>
+              <a:t>無愁無掛與爸爸手兩牽</a:t>
+            </a:r>
+            <a:endParaRPr lang="en-US" altLang="zh-CN" sz="5400" b="1" dirty="0">
+              <a:latin typeface="Microsoft JhengHei" pitchFamily="34" charset="-120"/>
+              <a:ea typeface="Microsoft JhengHei" pitchFamily="34" charset="-120"/>
+            </a:endParaRPr>
+          </a:p>
+          <a:p>
+            <a:pPr marL="0" indent="0" algn="ctr">
+              <a:buNone/>
+            </a:pPr>
+            <a:r>
               <a:rPr lang="zh-CN" altLang="en-US" sz="5400" b="1" dirty="0" smtClean="0">
                 <a:latin typeface="Microsoft JhengHei" pitchFamily="34" charset="-120"/>
                 <a:ea typeface="Microsoft JhengHei" pitchFamily="34" charset="-120"/>
               </a:rPr>
-              <a:t>仿似夢裡慨樂園</a:t>
+              <a:t>錯失過犯爸睇見</a:t>
             </a:r>
             <a:endParaRPr lang="en-US" altLang="zh-CN" sz="5400" b="1" dirty="0" smtClean="0">
               <a:latin typeface="Microsoft JhengHei" pitchFamily="34" charset="-120"/>
@@ -3164,7 +3212,7 @@
                 <a:latin typeface="Microsoft JhengHei" pitchFamily="34" charset="-120"/>
                 <a:ea typeface="Microsoft JhengHei" pitchFamily="34" charset="-120"/>
               </a:rPr>
-              <a:t>無愁無掛與爸爸手兩牽</a:t>
+              <a:t>縱使心裡愛綿綿</a:t>
             </a:r>
             <a:endParaRPr lang="en-US" altLang="zh-CN" sz="5400" b="1" dirty="0" smtClean="0">
               <a:latin typeface="Microsoft JhengHei" pitchFamily="34" charset="-120"/>
@@ -3180,55 +3228,9 @@
                 <a:latin typeface="Microsoft JhengHei" pitchFamily="34" charset="-120"/>
                 <a:ea typeface="Microsoft JhengHei" pitchFamily="34" charset="-120"/>
               </a:rPr>
-              <a:t>錯失過犯爸睇見</a:t>
+              <a:t>仍然嚴格以教鞭相規勸</a:t>
             </a:r>
             <a:endParaRPr lang="en-US" altLang="zh-CN" sz="5400" b="1" dirty="0" smtClean="0">
-              <a:latin typeface="Microsoft JhengHei" pitchFamily="34" charset="-120"/>
-              <a:ea typeface="Microsoft JhengHei" pitchFamily="34" charset="-120"/>
-            </a:endParaRPr>
-          </a:p>
-          <a:p>
-            <a:pPr marL="0" indent="0" algn="ctr">
-              <a:buNone/>
-            </a:pPr>
-            <a:r>
-              <a:rPr lang="zh-CN" altLang="en-US" sz="5400" b="1" dirty="0">
-                <a:latin typeface="Microsoft JhengHei" pitchFamily="34" charset="-120"/>
-                <a:ea typeface="Microsoft JhengHei" pitchFamily="34" charset="-120"/>
-              </a:rPr>
-              <a:t>縱使心裡愛綿綿</a:t>
-            </a:r>
-            <a:endParaRPr lang="en-US" altLang="zh-CN" sz="5400" b="1" dirty="0">
-              <a:latin typeface="Microsoft JhengHei" pitchFamily="34" charset="-120"/>
-              <a:ea typeface="Microsoft JhengHei" pitchFamily="34" charset="-120"/>
-            </a:endParaRPr>
-          </a:p>
-          <a:p>
-            <a:pPr marL="0" indent="0" algn="ctr">
-              <a:buNone/>
-            </a:pPr>
-            <a:r>
-              <a:rPr lang="zh-CN" altLang="en-US" sz="5400" b="1" dirty="0">
-                <a:latin typeface="Microsoft JhengHei" pitchFamily="34" charset="-120"/>
-                <a:ea typeface="Microsoft JhengHei" pitchFamily="34" charset="-120"/>
-              </a:rPr>
-              <a:t>仍然嚴</a:t>
-            </a:r>
-            <a:r>
-              <a:rPr lang="zh-CN" altLang="en-US" sz="5400" b="1" dirty="0" smtClean="0">
-                <a:latin typeface="Microsoft JhengHei" pitchFamily="34" charset="-120"/>
-                <a:ea typeface="Microsoft JhengHei" pitchFamily="34" charset="-120"/>
-              </a:rPr>
-              <a:t>格以教</a:t>
-            </a:r>
-            <a:r>
-              <a:rPr lang="zh-CN" altLang="en-US" sz="5400" b="1" dirty="0">
-                <a:latin typeface="Microsoft JhengHei" pitchFamily="34" charset="-120"/>
-                <a:ea typeface="Microsoft JhengHei" pitchFamily="34" charset="-120"/>
-              </a:rPr>
-              <a:t>鞭相規勸</a:t>
-            </a:r>
-            <a:endParaRPr lang="en-US" altLang="zh-CN" sz="5400" b="1" dirty="0">
               <a:latin typeface="Microsoft JhengHei" pitchFamily="34" charset="-120"/>
               <a:ea typeface="Microsoft JhengHei" pitchFamily="34" charset="-120"/>
             </a:endParaRPr>
@@ -3252,7 +3254,7 @@
         </p:nvSpPr>
         <p:spPr>
           <a:xfrm>
-            <a:off x="1219200" y="1524000"/>
+            <a:off x="2743200" y="1524001"/>
             <a:ext cx="838200" cy="830997"/>
           </a:xfrm>
           <a:prstGeom prst="rect">
@@ -3267,7 +3269,7 @@
           <a:lstStyle/>
           <a:p>
             <a:r>
-              <a:rPr lang="en-US" altLang="zh-CN" sz="4800" b="1" dirty="0" smtClean="0"/>
+              <a:rPr lang="en-US" altLang="zh-CN" sz="4800" b="1" dirty="0"/>
               <a:t>1.</a:t>
             </a:r>
             <a:endParaRPr lang="en-US" sz="4800" b="1" dirty="0"/>
@@ -3277,7 +3279,7 @@
     </p:spTree>
     <p:extLst>
       <p:ext uri="{BB962C8B-B14F-4D97-AF65-F5344CB8AC3E}">
-        <p14:creationId xmlns:p14="http://schemas.microsoft.com/office/powerpoint/2010/main" xmlns="" val="3067946155"/>
+        <p14:creationId xmlns:p14="http://schemas.microsoft.com/office/powerpoint/2010/main" val="3067946155"/>
       </p:ext>
     </p:extLst>
   </p:cSld>
@@ -3361,13 +3363,13 @@
               <a:buNone/>
             </a:pPr>
             <a:r>
-              <a:rPr lang="zh-CN" altLang="en-US" sz="5400" b="1" dirty="0" smtClean="0">
+              <a:rPr lang="zh-CN" altLang="en-US" sz="5400" b="1" dirty="0">
                 <a:latin typeface="Microsoft JhengHei" pitchFamily="34" charset="-120"/>
                 <a:ea typeface="Microsoft JhengHei" pitchFamily="34" charset="-120"/>
               </a:rPr>
               <a:t>爸以身教導  叮囑兼嘉勉</a:t>
             </a:r>
-            <a:endParaRPr lang="en-US" altLang="zh-CN" sz="5400" b="1" dirty="0" smtClean="0">
+            <a:endParaRPr lang="en-US" altLang="zh-CN" sz="5400" b="1" dirty="0">
               <a:latin typeface="Microsoft JhengHei" pitchFamily="34" charset="-120"/>
               <a:ea typeface="Microsoft JhengHei" pitchFamily="34" charset="-120"/>
             </a:endParaRPr>
@@ -3377,13 +3379,13 @@
               <a:buNone/>
             </a:pPr>
             <a:r>
-              <a:rPr lang="zh-CN" altLang="en-US" sz="5400" b="1" dirty="0" smtClean="0">
+              <a:rPr lang="zh-CN" altLang="en-US" sz="5400" b="1" dirty="0">
                 <a:latin typeface="Microsoft JhengHei" pitchFamily="34" charset="-120"/>
                 <a:ea typeface="Microsoft JhengHei" pitchFamily="34" charset="-120"/>
               </a:rPr>
               <a:t>為我向上勞神從未倦</a:t>
             </a:r>
-            <a:endParaRPr lang="en-US" altLang="zh-CN" sz="5400" b="1" dirty="0" smtClean="0">
+            <a:endParaRPr lang="en-US" altLang="zh-CN" sz="5400" b="1" dirty="0">
               <a:latin typeface="Microsoft JhengHei" pitchFamily="34" charset="-120"/>
               <a:ea typeface="Microsoft JhengHei" pitchFamily="34" charset="-120"/>
             </a:endParaRPr>
@@ -3393,13 +3395,13 @@
               <a:buNone/>
             </a:pPr>
             <a:r>
-              <a:rPr lang="zh-CN" altLang="en-US" sz="5400" b="1" dirty="0" smtClean="0">
+              <a:rPr lang="zh-CN" altLang="en-US" sz="5400" b="1" dirty="0">
                 <a:latin typeface="Microsoft JhengHei" pitchFamily="34" charset="-120"/>
                 <a:ea typeface="Microsoft JhengHei" pitchFamily="34" charset="-120"/>
               </a:rPr>
               <a:t>此際心紀念  爸爸恩深遠</a:t>
             </a:r>
-            <a:endParaRPr lang="en-US" altLang="zh-CN" sz="5400" b="1" dirty="0" smtClean="0">
+            <a:endParaRPr lang="en-US" altLang="zh-CN" sz="5400" b="1" dirty="0">
               <a:latin typeface="Microsoft JhengHei" pitchFamily="34" charset="-120"/>
               <a:ea typeface="Microsoft JhengHei" pitchFamily="34" charset="-120"/>
             </a:endParaRPr>
@@ -3409,7 +3411,7 @@
               <a:buNone/>
             </a:pPr>
             <a:r>
-              <a:rPr lang="zh-CN" altLang="en-US" sz="5400" b="1" dirty="0" smtClean="0">
+              <a:rPr lang="zh-CN" altLang="en-US" sz="5400" b="1" dirty="0">
                 <a:latin typeface="Microsoft JhengHei" pitchFamily="34" charset="-120"/>
                 <a:ea typeface="Microsoft JhengHei" pitchFamily="34" charset="-120"/>
               </a:rPr>
@@ -3423,7 +3425,7 @@
               <a:t>愛爸</a:t>
             </a:r>
             <a:r>
-              <a:rPr lang="zh-CN" altLang="en-US" sz="5400" b="1" dirty="0" smtClean="0">
+              <a:rPr lang="zh-CN" altLang="en-US" sz="5400" b="1" dirty="0">
                 <a:latin typeface="Microsoft JhengHei" pitchFamily="34" charset="-120"/>
                 <a:ea typeface="Microsoft JhengHei" pitchFamily="34" charset="-120"/>
               </a:rPr>
@@ -3446,7 +3448,7 @@
     </p:spTree>
     <p:extLst>
       <p:ext uri="{BB962C8B-B14F-4D97-AF65-F5344CB8AC3E}">
-        <p14:creationId xmlns:p14="http://schemas.microsoft.com/office/powerpoint/2010/main" xmlns="" val="1497730814"/>
+        <p14:creationId xmlns:p14="http://schemas.microsoft.com/office/powerpoint/2010/main" val="1497730814"/>
       </p:ext>
     </p:extLst>
   </p:cSld>
@@ -3521,7 +3523,7 @@
         </p:nvSpPr>
         <p:spPr>
           <a:xfrm>
-            <a:off x="0" y="1600200"/>
+            <a:off x="1524000" y="1600200"/>
             <a:ext cx="9144000" cy="5257800"/>
           </a:xfrm>
         </p:spPr>
@@ -3535,7 +3537,7 @@
               <a:buNone/>
             </a:pPr>
             <a:r>
-              <a:rPr lang="zh-CN" altLang="en-US" sz="5400" b="1" dirty="0" smtClean="0">
+              <a:rPr lang="zh-CN" altLang="en-US" sz="5400" b="1" dirty="0">
                 <a:latin typeface="Microsoft JhengHei" pitchFamily="34" charset="-120"/>
                 <a:ea typeface="Microsoft JhengHei" pitchFamily="34" charset="-120"/>
               </a:rPr>
@@ -3551,73 +3553,11 @@
               <a:buNone/>
             </a:pPr>
             <a:r>
-              <a:rPr lang="zh-CN" altLang="en-US" sz="5400" b="1" dirty="0" smtClean="0">
+              <a:rPr lang="zh-CN" altLang="en-US" sz="5400" b="1" dirty="0">
                 <a:latin typeface="Microsoft JhengHei" pitchFamily="34" charset="-120"/>
                 <a:ea typeface="Microsoft JhengHei" pitchFamily="34" charset="-120"/>
               </a:rPr>
               <a:t>仿似夢裡慨樂園</a:t>
-            </a:r>
-            <a:endParaRPr lang="en-US" altLang="zh-CN" sz="5400" b="1" dirty="0" smtClean="0">
-              <a:latin typeface="Microsoft JhengHei" pitchFamily="34" charset="-120"/>
-              <a:ea typeface="Microsoft JhengHei" pitchFamily="34" charset="-120"/>
-            </a:endParaRPr>
-          </a:p>
-          <a:p>
-            <a:pPr marL="0" indent="0" algn="ctr">
-              <a:buNone/>
-            </a:pPr>
-            <a:r>
-              <a:rPr lang="zh-CN" altLang="en-US" sz="5400" b="1" dirty="0" smtClean="0">
-                <a:latin typeface="Microsoft JhengHei" pitchFamily="34" charset="-120"/>
-                <a:ea typeface="Microsoft JhengHei" pitchFamily="34" charset="-120"/>
-              </a:rPr>
-              <a:t>無愁無掛</a:t>
-            </a:r>
-            <a:r>
-              <a:rPr lang="zh-CN" altLang="en-US" sz="5400" b="1" dirty="0">
-                <a:latin typeface="Microsoft JhengHei" pitchFamily="34" charset="-120"/>
-                <a:ea typeface="Microsoft JhengHei" pitchFamily="34" charset="-120"/>
-              </a:rPr>
-              <a:t>與</a:t>
-            </a:r>
-            <a:r>
-              <a:rPr lang="zh-CN" altLang="en-US" sz="5400" b="1" dirty="0" smtClean="0">
-                <a:latin typeface="Microsoft JhengHei" pitchFamily="34" charset="-120"/>
-                <a:ea typeface="Microsoft JhengHei" pitchFamily="34" charset="-120"/>
-              </a:rPr>
-              <a:t>媽媽手兩牽</a:t>
-            </a:r>
-            <a:endParaRPr lang="en-US" altLang="zh-CN" sz="5400" b="1" dirty="0" smtClean="0">
-              <a:latin typeface="Microsoft JhengHei" pitchFamily="34" charset="-120"/>
-              <a:ea typeface="Microsoft JhengHei" pitchFamily="34" charset="-120"/>
-            </a:endParaRPr>
-          </a:p>
-          <a:p>
-            <a:pPr marL="0" indent="0" algn="ctr">
-              <a:buNone/>
-            </a:pPr>
-            <a:r>
-              <a:rPr lang="zh-CN" altLang="en-US" sz="5400" b="1" dirty="0" smtClean="0">
-                <a:latin typeface="Microsoft JhengHei" pitchFamily="34" charset="-120"/>
-                <a:ea typeface="Microsoft JhengHei" pitchFamily="34" charset="-120"/>
-              </a:rPr>
-              <a:t>有苦有病媽總見</a:t>
-            </a:r>
-            <a:endParaRPr lang="en-US" altLang="zh-CN" sz="5400" b="1" dirty="0" smtClean="0">
-              <a:latin typeface="Microsoft JhengHei" pitchFamily="34" charset="-120"/>
-              <a:ea typeface="Microsoft JhengHei" pitchFamily="34" charset="-120"/>
-            </a:endParaRPr>
-          </a:p>
-          <a:p>
-            <a:pPr marL="0" indent="0" algn="ctr">
-              <a:buNone/>
-            </a:pPr>
-            <a:r>
-              <a:rPr lang="zh-CN" altLang="en-US" sz="5400" b="1" dirty="0" smtClean="0">
-                <a:latin typeface="Microsoft JhengHei" pitchFamily="34" charset="-120"/>
-                <a:ea typeface="Microsoft JhengHei" pitchFamily="34" charset="-120"/>
-              </a:rPr>
-              <a:t>衣不解帶坐床前</a:t>
             </a:r>
             <a:endParaRPr lang="en-US" altLang="zh-CN" sz="5400" b="1" dirty="0">
               <a:latin typeface="Microsoft JhengHei" pitchFamily="34" charset="-120"/>
@@ -3629,17 +3569,79 @@
               <a:buNone/>
             </a:pPr>
             <a:r>
-              <a:rPr lang="zh-CN" altLang="en-US" sz="5400" b="1" dirty="0" smtClean="0">
-                <a:latin typeface="Microsoft JhengHei" pitchFamily="34" charset="-120"/>
-                <a:ea typeface="Microsoft JhengHei" pitchFamily="34" charset="-120"/>
-              </a:rPr>
-              <a:t>柔言無數以慰解心中怨</a:t>
+              <a:rPr lang="zh-CN" altLang="en-US" sz="5400" b="1" dirty="0">
+                <a:latin typeface="Microsoft JhengHei" pitchFamily="34" charset="-120"/>
+                <a:ea typeface="Microsoft JhengHei" pitchFamily="34" charset="-120"/>
+              </a:rPr>
+              <a:t>無愁無掛</a:t>
+            </a:r>
+            <a:r>
+              <a:rPr lang="zh-CN" altLang="en-US" sz="5400" b="1" dirty="0">
+                <a:latin typeface="Microsoft JhengHei" pitchFamily="34" charset="-120"/>
+                <a:ea typeface="Microsoft JhengHei" pitchFamily="34" charset="-120"/>
+              </a:rPr>
+              <a:t>與</a:t>
+            </a:r>
+            <a:r>
+              <a:rPr lang="zh-CN" altLang="en-US" sz="5400" b="1" dirty="0">
+                <a:latin typeface="Microsoft JhengHei" pitchFamily="34" charset="-120"/>
+                <a:ea typeface="Microsoft JhengHei" pitchFamily="34" charset="-120"/>
+              </a:rPr>
+              <a:t>媽媽手兩牽</a:t>
             </a:r>
             <a:endParaRPr lang="en-US" altLang="zh-CN" sz="5400" b="1" dirty="0">
               <a:latin typeface="Microsoft JhengHei" pitchFamily="34" charset="-120"/>
               <a:ea typeface="Microsoft JhengHei" pitchFamily="34" charset="-120"/>
             </a:endParaRPr>
           </a:p>
+          <a:p>
+            <a:pPr marL="0" indent="0" algn="ctr">
+              <a:buNone/>
+            </a:pPr>
+            <a:r>
+              <a:rPr lang="zh-CN" altLang="en-US" sz="5400" b="1" dirty="0">
+                <a:latin typeface="Microsoft JhengHei" pitchFamily="34" charset="-120"/>
+                <a:ea typeface="Microsoft JhengHei" pitchFamily="34" charset="-120"/>
+              </a:rPr>
+              <a:t>有苦有病媽總見</a:t>
+            </a:r>
+            <a:endParaRPr lang="en-US" altLang="zh-CN" sz="5400" b="1" dirty="0">
+              <a:latin typeface="Microsoft JhengHei" pitchFamily="34" charset="-120"/>
+              <a:ea typeface="Microsoft JhengHei" pitchFamily="34" charset="-120"/>
+            </a:endParaRPr>
+          </a:p>
+          <a:p>
+            <a:pPr marL="0" indent="0" algn="ctr">
+              <a:buNone/>
+            </a:pPr>
+            <a:r>
+              <a:rPr lang="zh-CN" altLang="en-US" sz="5400" b="1" dirty="0">
+                <a:latin typeface="Microsoft JhengHei" pitchFamily="34" charset="-120"/>
+                <a:ea typeface="Microsoft JhengHei" pitchFamily="34" charset="-120"/>
+              </a:rPr>
+              <a:t>衣不解帶坐床前</a:t>
+            </a:r>
+            <a:endParaRPr lang="en-US" altLang="zh-CN" sz="5400" b="1" dirty="0">
+              <a:latin typeface="Microsoft JhengHei" pitchFamily="34" charset="-120"/>
+              <a:ea typeface="Microsoft JhengHei" pitchFamily="34" charset="-120"/>
+            </a:endParaRPr>
+          </a:p>
+          <a:p>
+            <a:pPr marL="0" indent="0" algn="ctr">
+              <a:buNone/>
+            </a:pPr>
+            <a:r>
+              <a:rPr lang="zh-CN" altLang="en-US" sz="5400" b="1" dirty="0">
+                <a:latin typeface="Microsoft JhengHei" pitchFamily="34" charset="-120"/>
+                <a:ea typeface="Microsoft JhengHei" pitchFamily="34" charset="-120"/>
+              </a:rPr>
+              <a:t>柔言無數以慰解心中怨</a:t>
+            </a:r>
+            <a:endParaRPr lang="en-US" altLang="zh-CN" sz="5400" b="1" dirty="0">
+              <a:latin typeface="Microsoft JhengHei" pitchFamily="34" charset="-120"/>
+              <a:ea typeface="Microsoft JhengHei" pitchFamily="34" charset="-120"/>
+            </a:endParaRPr>
+          </a:p>
         </p:txBody>
       </p:sp>
       <p:sp>
@@ -3650,7 +3652,7 @@
         </p:nvSpPr>
         <p:spPr>
           <a:xfrm>
-            <a:off x="1219200" y="1524000"/>
+            <a:off x="2743200" y="1524001"/>
             <a:ext cx="838200" cy="830997"/>
           </a:xfrm>
           <a:prstGeom prst="rect">
@@ -3669,7 +3671,7 @@
               <a:t>2</a:t>
             </a:r>
             <a:r>
-              <a:rPr lang="en-US" altLang="zh-CN" sz="4800" b="1" dirty="0" smtClean="0"/>
+              <a:rPr lang="en-US" altLang="zh-CN" sz="4800" b="1" dirty="0"/>
               <a:t>.</a:t>
             </a:r>
             <a:endParaRPr lang="en-US" sz="4800" b="1" dirty="0"/>
@@ -3679,7 +3681,7 @@
     </p:spTree>
     <p:extLst>
       <p:ext uri="{BB962C8B-B14F-4D97-AF65-F5344CB8AC3E}">
-        <p14:creationId xmlns:p14="http://schemas.microsoft.com/office/powerpoint/2010/main" xmlns="" val="443345725"/>
+        <p14:creationId xmlns:p14="http://schemas.microsoft.com/office/powerpoint/2010/main" val="443345725"/>
       </p:ext>
     </p:extLst>
   </p:cSld>
@@ -3770,13 +3772,13 @@
               <a:t>媽</a:t>
             </a:r>
             <a:r>
-              <a:rPr lang="zh-CN" altLang="en-US" sz="5400" b="1" dirty="0" smtClean="0">
+              <a:rPr lang="zh-CN" altLang="en-US" sz="5400" b="1" dirty="0">
                 <a:latin typeface="Microsoft JhengHei" pitchFamily="34" charset="-120"/>
                 <a:ea typeface="Microsoft JhengHei" pitchFamily="34" charset="-120"/>
               </a:rPr>
               <a:t>以三春暉  顯愛心溫暖</a:t>
             </a:r>
-            <a:endParaRPr lang="en-US" altLang="zh-CN" sz="5400" b="1" dirty="0" smtClean="0">
+            <a:endParaRPr lang="en-US" altLang="zh-CN" sz="5400" b="1" dirty="0">
               <a:latin typeface="Microsoft JhengHei" pitchFamily="34" charset="-120"/>
               <a:ea typeface="Microsoft JhengHei" pitchFamily="34" charset="-120"/>
             </a:endParaRPr>
@@ -3786,13 +3788,13 @@
               <a:buNone/>
             </a:pPr>
             <a:r>
-              <a:rPr lang="zh-CN" altLang="en-US" sz="5400" b="1" dirty="0" smtClean="0">
+              <a:rPr lang="zh-CN" altLang="en-US" sz="5400" b="1" dirty="0">
                 <a:latin typeface="Microsoft JhengHei" pitchFamily="34" charset="-120"/>
                 <a:ea typeface="Microsoft JhengHei" pitchFamily="34" charset="-120"/>
               </a:rPr>
               <a:t>為教養孩兒嘗透苦酸</a:t>
             </a:r>
-            <a:endParaRPr lang="en-US" altLang="zh-CN" sz="5400" b="1" dirty="0" smtClean="0">
+            <a:endParaRPr lang="en-US" altLang="zh-CN" sz="5400" b="1" dirty="0">
               <a:latin typeface="Microsoft JhengHei" pitchFamily="34" charset="-120"/>
               <a:ea typeface="Microsoft JhengHei" pitchFamily="34" charset="-120"/>
             </a:endParaRPr>
@@ -3802,13 +3804,13 @@
               <a:buNone/>
             </a:pPr>
             <a:r>
-              <a:rPr lang="zh-CN" altLang="en-US" sz="5400" b="1" dirty="0" smtClean="0">
+              <a:rPr lang="zh-CN" altLang="en-US" sz="5400" b="1" dirty="0">
                 <a:latin typeface="Microsoft JhengHei" pitchFamily="34" charset="-120"/>
                 <a:ea typeface="Microsoft JhengHei" pitchFamily="34" charset="-120"/>
               </a:rPr>
               <a:t>此際心紀念  媽媽恩深遠</a:t>
             </a:r>
-            <a:endParaRPr lang="en-US" altLang="zh-CN" sz="5400" b="1" dirty="0" smtClean="0">
+            <a:endParaRPr lang="en-US" altLang="zh-CN" sz="5400" b="1" dirty="0">
               <a:latin typeface="Microsoft JhengHei" pitchFamily="34" charset="-120"/>
               <a:ea typeface="Microsoft JhengHei" pitchFamily="34" charset="-120"/>
             </a:endParaRPr>
@@ -3818,7 +3820,7 @@
               <a:buNone/>
             </a:pPr>
             <a:r>
-              <a:rPr lang="zh-CN" altLang="en-US" sz="5400" b="1" dirty="0" smtClean="0">
+              <a:rPr lang="zh-CN" altLang="en-US" sz="5400" b="1" dirty="0">
                 <a:latin typeface="Microsoft JhengHei" pitchFamily="34" charset="-120"/>
                 <a:ea typeface="Microsoft JhengHei" pitchFamily="34" charset="-120"/>
               </a:rPr>
@@ -3832,7 +3834,7 @@
               <a:t>媽媽</a:t>
             </a:r>
             <a:r>
-              <a:rPr lang="zh-CN" altLang="en-US" sz="5400" b="1" dirty="0" smtClean="0">
+              <a:rPr lang="zh-CN" altLang="en-US" sz="5400" b="1" dirty="0">
                 <a:latin typeface="Microsoft JhengHei" pitchFamily="34" charset="-120"/>
                 <a:ea typeface="Microsoft JhengHei" pitchFamily="34" charset="-120"/>
               </a:rPr>
@@ -3855,7 +3857,7 @@
     </p:spTree>
     <p:extLst>
       <p:ext uri="{BB962C8B-B14F-4D97-AF65-F5344CB8AC3E}">
-        <p14:creationId xmlns:p14="http://schemas.microsoft.com/office/powerpoint/2010/main" xmlns="" val="2133040294"/>
+        <p14:creationId xmlns:p14="http://schemas.microsoft.com/office/powerpoint/2010/main" val="2133040294"/>
       </p:ext>
     </p:extLst>
   </p:cSld>
@@ -3930,7 +3932,7 @@
         </p:nvSpPr>
         <p:spPr>
           <a:xfrm>
-            <a:off x="0" y="1600200"/>
+            <a:off x="1524000" y="1600200"/>
             <a:ext cx="9144000" cy="5257800"/>
           </a:xfrm>
         </p:spPr>
@@ -3944,7 +3946,7 @@
               <a:buNone/>
             </a:pPr>
             <a:r>
-              <a:rPr lang="zh-CN" altLang="en-US" sz="5400" b="1" dirty="0" smtClean="0">
+              <a:rPr lang="zh-CN" altLang="en-US" sz="5400" b="1" dirty="0">
                 <a:latin typeface="Microsoft JhengHei" pitchFamily="34" charset="-120"/>
                 <a:ea typeface="Microsoft JhengHei" pitchFamily="34" charset="-120"/>
               </a:rPr>
@@ -3960,80 +3962,11 @@
               <a:buNone/>
             </a:pPr>
             <a:r>
-              <a:rPr lang="zh-CN" altLang="en-US" sz="5400" b="1" dirty="0" smtClean="0">
+              <a:rPr lang="zh-CN" altLang="en-US" sz="5400" b="1" dirty="0">
                 <a:latin typeface="Microsoft JhengHei" pitchFamily="34" charset="-120"/>
                 <a:ea typeface="Microsoft JhengHei" pitchFamily="34" charset="-120"/>
               </a:rPr>
               <a:t>因信獲救脫罪纏</a:t>
-            </a:r>
-            <a:endParaRPr lang="en-US" altLang="zh-CN" sz="5400" b="1" dirty="0" smtClean="0">
-              <a:latin typeface="Microsoft JhengHei" pitchFamily="34" charset="-120"/>
-              <a:ea typeface="Microsoft JhengHei" pitchFamily="34" charset="-120"/>
-            </a:endParaRPr>
-          </a:p>
-          <a:p>
-            <a:pPr marL="0" indent="0" algn="ctr">
-              <a:buNone/>
-            </a:pPr>
-            <a:r>
-              <a:rPr lang="zh-CN" altLang="en-US" sz="5400" b="1" dirty="0" smtClean="0">
-                <a:latin typeface="Microsoft JhengHei" pitchFamily="34" charset="-120"/>
-                <a:ea typeface="Microsoft JhengHei" pitchFamily="34" charset="-120"/>
-              </a:rPr>
-              <a:t>全憑神賜救恩高</a:t>
-            </a:r>
-            <a:r>
-              <a:rPr lang="zh-CN" altLang="en-US" sz="5400" b="1" dirty="0">
-                <a:latin typeface="Microsoft JhengHei" pitchFamily="34" charset="-120"/>
-                <a:ea typeface="Microsoft JhengHei" pitchFamily="34" charset="-120"/>
-              </a:rPr>
-              <a:t>仿</a:t>
-            </a:r>
-            <a:r>
-              <a:rPr lang="zh-CN" altLang="en-US" sz="5400" b="1" dirty="0" smtClean="0">
-                <a:latin typeface="Microsoft JhengHei" pitchFamily="34" charset="-120"/>
-                <a:ea typeface="Microsoft JhengHei" pitchFamily="34" charset="-120"/>
-              </a:rPr>
-              <a:t>似天</a:t>
-            </a:r>
-            <a:endParaRPr lang="en-US" altLang="zh-CN" sz="5400" b="1" dirty="0" smtClean="0">
-              <a:latin typeface="Microsoft JhengHei" pitchFamily="34" charset="-120"/>
-              <a:ea typeface="Microsoft JhengHei" pitchFamily="34" charset="-120"/>
-            </a:endParaRPr>
-          </a:p>
-          <a:p>
-            <a:pPr marL="0" indent="0" algn="ctr">
-              <a:buNone/>
-            </a:pPr>
-            <a:r>
-              <a:rPr lang="zh-CN" altLang="en-US" sz="5400" b="1" dirty="0">
-                <a:latin typeface="Microsoft JhengHei" pitchFamily="34" charset="-120"/>
-                <a:ea typeface="Microsoft JhengHei" pitchFamily="34" charset="-120"/>
-              </a:rPr>
-              <a:t>信</a:t>
-            </a:r>
-            <a:r>
-              <a:rPr lang="zh-CN" altLang="en-US" sz="5400" b="1" dirty="0" smtClean="0">
-                <a:latin typeface="Microsoft JhengHei" pitchFamily="34" charset="-120"/>
-                <a:ea typeface="Microsoft JhengHei" pitchFamily="34" charset="-120"/>
-              </a:rPr>
-              <a:t>者與一家得救</a:t>
-            </a:r>
-            <a:endParaRPr lang="en-US" altLang="zh-CN" sz="5400" b="1" dirty="0" smtClean="0">
-              <a:latin typeface="Microsoft JhengHei" pitchFamily="34" charset="-120"/>
-              <a:ea typeface="Microsoft JhengHei" pitchFamily="34" charset="-120"/>
-            </a:endParaRPr>
-          </a:p>
-          <a:p>
-            <a:pPr marL="0" indent="0" algn="ctr">
-              <a:buNone/>
-            </a:pPr>
-            <a:r>
-              <a:rPr lang="zh-CN" altLang="en-US" sz="5400" b="1" dirty="0" smtClean="0">
-                <a:latin typeface="Microsoft JhengHei" pitchFamily="34" charset="-120"/>
-                <a:ea typeface="Microsoft JhengHei" pitchFamily="34" charset="-120"/>
-              </a:rPr>
-              <a:t>此應許乃你曾言</a:t>
             </a:r>
             <a:endParaRPr lang="en-US" altLang="zh-CN" sz="5400" b="1" dirty="0">
               <a:latin typeface="Microsoft JhengHei" pitchFamily="34" charset="-120"/>
@@ -4045,17 +3978,86 @@
               <a:buNone/>
             </a:pPr>
             <a:r>
-              <a:rPr lang="zh-CN" altLang="en-US" sz="5400" b="1" dirty="0" smtClean="0">
-                <a:latin typeface="Microsoft JhengHei" pitchFamily="34" charset="-120"/>
-                <a:ea typeface="Microsoft JhengHei" pitchFamily="34" charset="-120"/>
-              </a:rPr>
-              <a:t>求神憐憫按應許施恩眷</a:t>
+              <a:rPr lang="zh-CN" altLang="en-US" sz="5400" b="1" dirty="0">
+                <a:latin typeface="Microsoft JhengHei" pitchFamily="34" charset="-120"/>
+                <a:ea typeface="Microsoft JhengHei" pitchFamily="34" charset="-120"/>
+              </a:rPr>
+              <a:t>全憑神賜救恩高</a:t>
+            </a:r>
+            <a:r>
+              <a:rPr lang="zh-CN" altLang="en-US" sz="5400" b="1" dirty="0">
+                <a:latin typeface="Microsoft JhengHei" pitchFamily="34" charset="-120"/>
+                <a:ea typeface="Microsoft JhengHei" pitchFamily="34" charset="-120"/>
+              </a:rPr>
+              <a:t>仿</a:t>
+            </a:r>
+            <a:r>
+              <a:rPr lang="zh-CN" altLang="en-US" sz="5400" b="1" dirty="0">
+                <a:latin typeface="Microsoft JhengHei" pitchFamily="34" charset="-120"/>
+                <a:ea typeface="Microsoft JhengHei" pitchFamily="34" charset="-120"/>
+              </a:rPr>
+              <a:t>似天</a:t>
             </a:r>
             <a:endParaRPr lang="en-US" altLang="zh-CN" sz="5400" b="1" dirty="0">
               <a:latin typeface="Microsoft JhengHei" pitchFamily="34" charset="-120"/>
               <a:ea typeface="Microsoft JhengHei" pitchFamily="34" charset="-120"/>
             </a:endParaRPr>
           </a:p>
+          <a:p>
+            <a:pPr marL="0" indent="0" algn="ctr">
+              <a:buNone/>
+            </a:pPr>
+            <a:r>
+              <a:rPr lang="zh-CN" altLang="en-US" sz="5400" b="1" dirty="0">
+                <a:latin typeface="Microsoft JhengHei" pitchFamily="34" charset="-120"/>
+                <a:ea typeface="Microsoft JhengHei" pitchFamily="34" charset="-120"/>
+              </a:rPr>
+              <a:t>信</a:t>
+            </a:r>
+            <a:r>
+              <a:rPr lang="zh-CN" altLang="en-US" sz="5400" b="1" dirty="0">
+                <a:latin typeface="Microsoft JhengHei" pitchFamily="34" charset="-120"/>
+                <a:ea typeface="Microsoft JhengHei" pitchFamily="34" charset="-120"/>
+              </a:rPr>
+              <a:t>者與一家得救</a:t>
+            </a:r>
+            <a:endParaRPr lang="en-US" altLang="zh-CN" sz="5400" b="1" dirty="0">
+              <a:latin typeface="Microsoft JhengHei" pitchFamily="34" charset="-120"/>
+              <a:ea typeface="Microsoft JhengHei" pitchFamily="34" charset="-120"/>
+            </a:endParaRPr>
+          </a:p>
+          <a:p>
+            <a:pPr marL="0" indent="0" algn="ctr">
+              <a:buNone/>
+            </a:pPr>
+            <a:r>
+              <a:rPr lang="zh-CN" altLang="en-US" sz="5400" b="1" dirty="0">
+                <a:latin typeface="Microsoft JhengHei" pitchFamily="34" charset="-120"/>
+                <a:ea typeface="Microsoft JhengHei" pitchFamily="34" charset="-120"/>
+              </a:rPr>
+              <a:t>此應許乃你曾言</a:t>
+            </a:r>
+            <a:endParaRPr lang="en-US" altLang="zh-CN" sz="5400" b="1" dirty="0">
+              <a:latin typeface="Microsoft JhengHei" pitchFamily="34" charset="-120"/>
+              <a:ea typeface="Microsoft JhengHei" pitchFamily="34" charset="-120"/>
+            </a:endParaRPr>
+          </a:p>
+          <a:p>
+            <a:pPr marL="0" indent="0" algn="ctr">
+              <a:buNone/>
+            </a:pPr>
+            <a:r>
+              <a:rPr lang="zh-CN" altLang="en-US" sz="5400" b="1" dirty="0">
+                <a:latin typeface="Microsoft JhengHei" pitchFamily="34" charset="-120"/>
+                <a:ea typeface="Microsoft JhengHei" pitchFamily="34" charset="-120"/>
+              </a:rPr>
+              <a:t>求神憐憫按應許施恩眷</a:t>
+            </a:r>
+            <a:endParaRPr lang="en-US" altLang="zh-CN" sz="5400" b="1" dirty="0">
+              <a:latin typeface="Microsoft JhengHei" pitchFamily="34" charset="-120"/>
+              <a:ea typeface="Microsoft JhengHei" pitchFamily="34" charset="-120"/>
+            </a:endParaRPr>
+          </a:p>
         </p:txBody>
       </p:sp>
       <p:sp>
@@ -4066,7 +4068,7 @@
         </p:nvSpPr>
         <p:spPr>
           <a:xfrm>
-            <a:off x="1219200" y="1524000"/>
+            <a:off x="2743200" y="1524001"/>
             <a:ext cx="838200" cy="830997"/>
           </a:xfrm>
           <a:prstGeom prst="rect">
@@ -4081,7 +4083,7 @@
           <a:lstStyle/>
           <a:p>
             <a:r>
-              <a:rPr lang="en-US" altLang="zh-CN" sz="4800" b="1" dirty="0" smtClean="0"/>
+              <a:rPr lang="en-US" altLang="zh-CN" sz="4800" b="1" dirty="0"/>
               <a:t>3.</a:t>
             </a:r>
             <a:endParaRPr lang="en-US" sz="4800" b="1" dirty="0"/>
@@ -4091,7 +4093,7 @@
     </p:spTree>
     <p:extLst>
       <p:ext uri="{BB962C8B-B14F-4D97-AF65-F5344CB8AC3E}">
-        <p14:creationId xmlns:p14="http://schemas.microsoft.com/office/powerpoint/2010/main" xmlns="" val="3284917140"/>
+        <p14:creationId xmlns:p14="http://schemas.microsoft.com/office/powerpoint/2010/main" val="3284917140"/>
       </p:ext>
     </p:extLst>
   </p:cSld>
@@ -4175,13 +4177,13 @@
               <a:buNone/>
             </a:pPr>
             <a:r>
-              <a:rPr lang="zh-CN" altLang="en-US" sz="5400" b="1" dirty="0" smtClean="0">
+              <a:rPr lang="zh-CN" altLang="en-US" sz="5400" b="1" dirty="0">
                 <a:latin typeface="Microsoft JhengHei" pitchFamily="34" charset="-120"/>
                 <a:ea typeface="Microsoft JhengHei" pitchFamily="34" charset="-120"/>
               </a:rPr>
               <a:t>深盼主顧念  禱告心不斷</a:t>
             </a:r>
-            <a:endParaRPr lang="en-US" altLang="zh-CN" sz="5400" b="1" dirty="0" smtClean="0">
+            <a:endParaRPr lang="en-US" altLang="zh-CN" sz="5400" b="1" dirty="0">
               <a:latin typeface="Microsoft JhengHei" pitchFamily="34" charset="-120"/>
               <a:ea typeface="Microsoft JhengHei" pitchFamily="34" charset="-120"/>
             </a:endParaRPr>
@@ -4198,13 +4200,13 @@
               <a:t>父</a:t>
             </a:r>
             <a:r>
-              <a:rPr lang="zh-CN" altLang="en-US" sz="5400" b="1" dirty="0" smtClean="0">
+              <a:rPr lang="zh-CN" altLang="en-US" sz="5400" b="1" dirty="0">
                 <a:latin typeface="Microsoft JhengHei" pitchFamily="34" charset="-120"/>
                 <a:ea typeface="Microsoft JhengHei" pitchFamily="34" charset="-120"/>
               </a:rPr>
               <a:t>母腳步祈求你引牽</a:t>
             </a:r>
-            <a:endParaRPr lang="en-US" altLang="zh-CN" sz="5400" b="1" dirty="0" smtClean="0">
+            <a:endParaRPr lang="en-US" altLang="zh-CN" sz="5400" b="1" dirty="0">
               <a:latin typeface="Microsoft JhengHei" pitchFamily="34" charset="-120"/>
               <a:ea typeface="Microsoft JhengHei" pitchFamily="34" charset="-120"/>
             </a:endParaRPr>
@@ -4221,13 +4223,13 @@
               <a:t>黑暗</a:t>
             </a:r>
             <a:r>
-              <a:rPr lang="zh-CN" altLang="en-US" sz="5400" b="1" dirty="0" smtClean="0">
+              <a:rPr lang="zh-CN" altLang="en-US" sz="5400" b="1" dirty="0">
                 <a:latin typeface="Microsoft JhengHei" pitchFamily="34" charset="-120"/>
                 <a:ea typeface="Microsoft JhengHei" pitchFamily="34" charset="-120"/>
               </a:rPr>
               <a:t>中永滅  爸媽終可免</a:t>
             </a:r>
-            <a:endParaRPr lang="en-US" altLang="zh-CN" sz="5400" b="1" dirty="0" smtClean="0">
+            <a:endParaRPr lang="en-US" altLang="zh-CN" sz="5400" b="1" dirty="0">
               <a:latin typeface="Microsoft JhengHei" pitchFamily="34" charset="-120"/>
               <a:ea typeface="Microsoft JhengHei" pitchFamily="34" charset="-120"/>
             </a:endParaRPr>
@@ -4237,7 +4239,7 @@
               <a:buNone/>
             </a:pPr>
             <a:r>
-              <a:rPr lang="zh-CN" altLang="en-US" sz="5400" b="1" dirty="0" smtClean="0">
+              <a:rPr lang="zh-CN" altLang="en-US" sz="5400" b="1" dirty="0">
                 <a:latin typeface="Microsoft JhengHei" pitchFamily="34" charset="-120"/>
                 <a:ea typeface="Microsoft JhengHei" pitchFamily="34" charset="-120"/>
               </a:rPr>
@@ -4253,7 +4255,7 @@
     </p:spTree>
     <p:extLst>
       <p:ext uri="{BB962C8B-B14F-4D97-AF65-F5344CB8AC3E}">
-        <p14:creationId xmlns:p14="http://schemas.microsoft.com/office/powerpoint/2010/main" xmlns="" val="818865498"/>
+        <p14:creationId xmlns:p14="http://schemas.microsoft.com/office/powerpoint/2010/main" val="818865498"/>
       </p:ext>
     </p:extLst>
   </p:cSld>
